--- a/f25/assets/slides/lec22-practical-security.pptx
+++ b/f25/assets/slides/lec22-practical-security.pptx
@@ -25,6 +25,7 @@
     <p:sldId id="273" r:id="rId19"/>
     <p:sldId id="272" r:id="rId20"/>
     <p:sldId id="270" r:id="rId21"/>
+    <p:sldId id="277" r:id="rId22"/>
   </p:sldIdLst>
   <p:sldSz cx="12192000" cy="6858000"/>
   <p:notesSz cx="6858000" cy="9144000"/>
@@ -123,6 +124,11 @@
       </a:defRPr>
     </a:lvl9pPr>
   </p:defaultTextStyle>
+  <p:extLst>
+    <p:ext uri="{EFAFB233-063F-42B5-8137-9DF3F51BA10A}">
+      <p15:sldGuideLst xmlns:p15="http://schemas.microsoft.com/office/powerpoint/2012/main"/>
+    </p:ext>
+  </p:extLst>
 </p:presentation>
 </file>
 
@@ -273,7 +279,7 @@
           <a:p>
             <a:fld id="{4E22BA40-56B1-254D-AFEF-AE38734B75E6}" type="datetimeFigureOut">
               <a:rPr lang="en-US" smtClean="0"/>
-              <a:t>11/6/24</a:t>
+              <a:t>10/28/25</a:t>
             </a:fld>
             <a:endParaRPr lang="en-US"/>
           </a:p>
@@ -471,7 +477,7 @@
           <a:p>
             <a:fld id="{4E22BA40-56B1-254D-AFEF-AE38734B75E6}" type="datetimeFigureOut">
               <a:rPr lang="en-US" smtClean="0"/>
-              <a:t>11/6/24</a:t>
+              <a:t>10/28/25</a:t>
             </a:fld>
             <a:endParaRPr lang="en-US"/>
           </a:p>
@@ -679,7 +685,7 @@
           <a:p>
             <a:fld id="{4E22BA40-56B1-254D-AFEF-AE38734B75E6}" type="datetimeFigureOut">
               <a:rPr lang="en-US" smtClean="0"/>
-              <a:t>11/6/24</a:t>
+              <a:t>10/28/25</a:t>
             </a:fld>
             <a:endParaRPr lang="en-US"/>
           </a:p>
@@ -877,7 +883,7 @@
           <a:p>
             <a:fld id="{4E22BA40-56B1-254D-AFEF-AE38734B75E6}" type="datetimeFigureOut">
               <a:rPr lang="en-US" smtClean="0"/>
-              <a:t>11/6/24</a:t>
+              <a:t>10/28/25</a:t>
             </a:fld>
             <a:endParaRPr lang="en-US"/>
           </a:p>
@@ -1152,7 +1158,7 @@
           <a:p>
             <a:fld id="{4E22BA40-56B1-254D-AFEF-AE38734B75E6}" type="datetimeFigureOut">
               <a:rPr lang="en-US" smtClean="0"/>
-              <a:t>11/6/24</a:t>
+              <a:t>10/28/25</a:t>
             </a:fld>
             <a:endParaRPr lang="en-US"/>
           </a:p>
@@ -1417,7 +1423,7 @@
           <a:p>
             <a:fld id="{4E22BA40-56B1-254D-AFEF-AE38734B75E6}" type="datetimeFigureOut">
               <a:rPr lang="en-US" smtClean="0"/>
-              <a:t>11/6/24</a:t>
+              <a:t>10/28/25</a:t>
             </a:fld>
             <a:endParaRPr lang="en-US"/>
           </a:p>
@@ -1829,7 +1835,7 @@
           <a:p>
             <a:fld id="{4E22BA40-56B1-254D-AFEF-AE38734B75E6}" type="datetimeFigureOut">
               <a:rPr lang="en-US" smtClean="0"/>
-              <a:t>11/6/24</a:t>
+              <a:t>10/28/25</a:t>
             </a:fld>
             <a:endParaRPr lang="en-US"/>
           </a:p>
@@ -1970,7 +1976,7 @@
           <a:p>
             <a:fld id="{4E22BA40-56B1-254D-AFEF-AE38734B75E6}" type="datetimeFigureOut">
               <a:rPr lang="en-US" smtClean="0"/>
-              <a:t>11/6/24</a:t>
+              <a:t>10/28/25</a:t>
             </a:fld>
             <a:endParaRPr lang="en-US"/>
           </a:p>
@@ -2083,7 +2089,7 @@
           <a:p>
             <a:fld id="{4E22BA40-56B1-254D-AFEF-AE38734B75E6}" type="datetimeFigureOut">
               <a:rPr lang="en-US" smtClean="0"/>
-              <a:t>11/6/24</a:t>
+              <a:t>10/28/25</a:t>
             </a:fld>
             <a:endParaRPr lang="en-US"/>
           </a:p>
@@ -2394,7 +2400,7 @@
           <a:p>
             <a:fld id="{4E22BA40-56B1-254D-AFEF-AE38734B75E6}" type="datetimeFigureOut">
               <a:rPr lang="en-US" smtClean="0"/>
-              <a:t>11/6/24</a:t>
+              <a:t>10/28/25</a:t>
             </a:fld>
             <a:endParaRPr lang="en-US"/>
           </a:p>
@@ -2682,7 +2688,7 @@
           <a:p>
             <a:fld id="{4E22BA40-56B1-254D-AFEF-AE38734B75E6}" type="datetimeFigureOut">
               <a:rPr lang="en-US" smtClean="0"/>
-              <a:t>11/6/24</a:t>
+              <a:t>10/28/25</a:t>
             </a:fld>
             <a:endParaRPr lang="en-US"/>
           </a:p>
@@ -2923,7 +2929,7 @@
           <a:p>
             <a:fld id="{4E22BA40-56B1-254D-AFEF-AE38734B75E6}" type="datetimeFigureOut">
               <a:rPr lang="en-US" smtClean="0"/>
-              <a:t>11/6/24</a:t>
+              <a:t>10/28/25</a:t>
             </a:fld>
             <a:endParaRPr lang="en-US"/>
           </a:p>
@@ -3925,8 +3931,8 @@
           </a:p>
         </p:txBody>
       </p:sp>
-      <mc:AlternateContent xmlns:mc="http://schemas.openxmlformats.org/markup-compatibility/2006">
-        <mc:Choice xmlns:a14="http://schemas.microsoft.com/office/drawing/2010/main" Requires="a14">
+      <mc:AlternateContent xmlns:mc="http://schemas.openxmlformats.org/markup-compatibility/2006" xmlns:a14="http://schemas.microsoft.com/office/drawing/2010/main">
+        <mc:Choice Requires="a14">
           <p:sp>
             <p:nvSpPr>
               <p:cNvPr id="3" name="Content Placeholder 2">
@@ -4344,7 +4350,7 @@
             </p:txBody>
           </p:sp>
         </mc:Choice>
-        <mc:Fallback>
+        <mc:Fallback xmlns="">
           <p:sp>
             <p:nvSpPr>
               <p:cNvPr id="3" name="Content Placeholder 2">
@@ -4769,8 +4775,8 @@
           </a:p>
         </p:txBody>
       </p:sp>
-      <mc:AlternateContent xmlns:mc="http://schemas.openxmlformats.org/markup-compatibility/2006">
-        <mc:Choice xmlns:a14="http://schemas.microsoft.com/office/drawing/2010/main" Requires="a14">
+      <mc:AlternateContent xmlns:mc="http://schemas.openxmlformats.org/markup-compatibility/2006" xmlns:a14="http://schemas.microsoft.com/office/drawing/2010/main">
+        <mc:Choice Requires="a14">
           <p:sp>
             <p:nvSpPr>
               <p:cNvPr id="3" name="Content Placeholder 2">
@@ -4938,7 +4944,7 @@
             </p:txBody>
           </p:sp>
         </mc:Choice>
-        <mc:Fallback>
+        <mc:Fallback xmlns="">
           <p:sp>
             <p:nvSpPr>
               <p:cNvPr id="3" name="Content Placeholder 2">
@@ -5568,7 +5574,7 @@
             </a:r>
             <a:r>
               <a:rPr lang="en-US" sz="2000" dirty="0"/>
-              <a:t>, another CA just technically verify whether the entity registering controls the domain name. </a:t>
+              <a:t>, another CA just technically verifies whether the entity registering controls the domain name. </a:t>
             </a:r>
           </a:p>
           <a:p>
@@ -6870,12 +6876,6 @@
           <a:p>
             <a:r>
               <a:rPr lang="en-US" dirty="0"/>
-              <a:t>Will be released on Monday</a:t>
-            </a:r>
-          </a:p>
-          <a:p>
-            <a:r>
-              <a:rPr lang="en-US" dirty="0"/>
               <a:t>Will ask you to implement custom cryptography </a:t>
             </a:r>
             <a:r>
@@ -7283,8 +7283,8 @@
           </a:p>
         </p:txBody>
       </p:sp>
-      <mc:AlternateContent xmlns:mc="http://schemas.openxmlformats.org/markup-compatibility/2006">
-        <mc:Choice xmlns:a14="http://schemas.microsoft.com/office/drawing/2010/main" Requires="a14">
+      <mc:AlternateContent xmlns:mc="http://schemas.openxmlformats.org/markup-compatibility/2006" xmlns:a14="http://schemas.microsoft.com/office/drawing/2010/main">
+        <mc:Choice Requires="a14">
           <p:sp>
             <p:nvSpPr>
               <p:cNvPr id="3" name="Content Placeholder 2">
@@ -7454,7 +7454,7 @@
             </p:txBody>
           </p:sp>
         </mc:Choice>
-        <mc:Fallback>
+        <mc:Fallback xmlns="">
           <p:sp>
             <p:nvSpPr>
               <p:cNvPr id="3" name="Content Placeholder 2">
@@ -7498,6 +7498,121 @@
     <p:extLst>
       <p:ext uri="{BB962C8B-B14F-4D97-AF65-F5344CB8AC3E}">
         <p14:creationId xmlns:p14="http://schemas.microsoft.com/office/powerpoint/2010/main" val="837652766"/>
+      </p:ext>
+    </p:extLst>
+  </p:cSld>
+  <p:clrMapOvr>
+    <a:masterClrMapping/>
+  </p:clrMapOvr>
+</p:sld>
+</file>
+
+<file path=ppt/slides/slide21.xml><?xml version="1.0" encoding="utf-8"?>
+<p:sld xmlns:a="http://schemas.openxmlformats.org/drawingml/2006/main" xmlns:r="http://schemas.openxmlformats.org/officeDocument/2006/relationships" xmlns:p="http://schemas.openxmlformats.org/presentationml/2006/main">
+  <p:cSld>
+    <p:spTree>
+      <p:nvGrpSpPr>
+        <p:cNvPr id="1" name=""/>
+        <p:cNvGrpSpPr/>
+        <p:nvPr/>
+      </p:nvGrpSpPr>
+      <p:grpSpPr>
+        <a:xfrm>
+          <a:off x="0" y="0"/>
+          <a:ext cx="0" cy="0"/>
+          <a:chOff x="0" y="0"/>
+          <a:chExt cx="0" cy="0"/>
+        </a:xfrm>
+      </p:grpSpPr>
+      <p:sp>
+        <p:nvSpPr>
+          <p:cNvPr id="2" name="Title 1">
+            <a:extLst>
+              <a:ext uri="{FF2B5EF4-FFF2-40B4-BE49-F238E27FC236}">
+                <a16:creationId xmlns:a16="http://schemas.microsoft.com/office/drawing/2014/main" id="{26078F50-9764-B06E-BF0A-85DC66FCFDAA}"/>
+              </a:ext>
+            </a:extLst>
+          </p:cNvPr>
+          <p:cNvSpPr>
+            <a:spLocks noGrp="1"/>
+          </p:cNvSpPr>
+          <p:nvPr>
+            <p:ph type="title"/>
+          </p:nvPr>
+        </p:nvSpPr>
+        <p:spPr/>
+        <p:txBody>
+          <a:bodyPr/>
+          <a:lstStyle/>
+          <a:p>
+            <a:r>
+              <a:rPr lang="en-US" dirty="0"/>
+              <a:t>Security vulnerabilities without breaking any cryptography</a:t>
+            </a:r>
+          </a:p>
+        </p:txBody>
+      </p:sp>
+      <p:sp>
+        <p:nvSpPr>
+          <p:cNvPr id="3" name="Content Placeholder 2">
+            <a:extLst>
+              <a:ext uri="{FF2B5EF4-FFF2-40B4-BE49-F238E27FC236}">
+                <a16:creationId xmlns:a16="http://schemas.microsoft.com/office/drawing/2014/main" id="{EB3F2CBB-738A-4E12-A778-972EC0D53979}"/>
+              </a:ext>
+            </a:extLst>
+          </p:cNvPr>
+          <p:cNvSpPr>
+            <a:spLocks noGrp="1"/>
+          </p:cNvSpPr>
+          <p:nvPr>
+            <p:ph idx="1"/>
+          </p:nvPr>
+        </p:nvSpPr>
+        <p:spPr/>
+        <p:txBody>
+          <a:bodyPr/>
+          <a:lstStyle/>
+          <a:p>
+            <a:pPr marL="0" indent="0">
+              <a:buNone/>
+            </a:pPr>
+            <a:r>
+              <a:rPr lang="en-US" dirty="0">
+                <a:solidFill>
+                  <a:schemeClr val="bg1">
+                    <a:lumMod val="65000"/>
+                  </a:schemeClr>
+                </a:solidFill>
+              </a:rPr>
+              <a:t>This slide may appear in the quiz</a:t>
+            </a:r>
+          </a:p>
+          <a:p>
+            <a:r>
+              <a:rPr lang="en-US" dirty="0"/>
+              <a:t>Suppose a website has a comments section. If they are not careful, I can insert code into my comment. When someone else views that comment, my code executes. This is malicious code executing inside a website verified with HTTP. There are many variants of code injection attacks. The standard solution is to “sanitize all inputs” (discussed on the board)</a:t>
+            </a:r>
+          </a:p>
+          <a:p>
+            <a:r>
+              <a:rPr lang="en-US" dirty="0"/>
+              <a:t>Buffer overflow attacks can reveal the private key. An example is </a:t>
+            </a:r>
+            <a:r>
+              <a:rPr lang="en-US" dirty="0" err="1"/>
+              <a:t>HeartBleed</a:t>
+            </a:r>
+            <a:r>
+              <a:rPr lang="en-US" dirty="0"/>
+              <a:t> (discuss on the board)</a:t>
+            </a:r>
+          </a:p>
+        </p:txBody>
+      </p:sp>
+    </p:spTree>
+    <p:extLst>
+      <p:ext uri="{BB962C8B-B14F-4D97-AF65-F5344CB8AC3E}">
+        <p14:creationId xmlns:p14="http://schemas.microsoft.com/office/powerpoint/2010/main" val="157867529"/>
       </p:ext>
     </p:extLst>
   </p:cSld>
@@ -9019,6 +9134,41 @@
             <a:r>
               <a:rPr lang="en-US" sz="2400" dirty="0"/>
               <a:t>so nobody else can read it</a:t>
+            </a:r>
+          </a:p>
+        </p:txBody>
+      </p:sp>
+      <p:sp>
+        <p:nvSpPr>
+          <p:cNvPr id="8" name="TextBox 7">
+            <a:extLst>
+              <a:ext uri="{FF2B5EF4-FFF2-40B4-BE49-F238E27FC236}">
+                <a16:creationId xmlns:a16="http://schemas.microsoft.com/office/drawing/2014/main" id="{E320DAF9-14F1-280C-34DF-954045493D00}"/>
+              </a:ext>
+            </a:extLst>
+          </p:cNvPr>
+          <p:cNvSpPr txBox="1"/>
+          <p:nvPr/>
+        </p:nvSpPr>
+        <p:spPr>
+          <a:xfrm>
+            <a:off x="9689123" y="5167312"/>
+            <a:ext cx="2593729" cy="1754326"/>
+          </a:xfrm>
+          <a:prstGeom prst="rect">
+            <a:avLst/>
+          </a:prstGeom>
+          <a:noFill/>
+        </p:spPr>
+        <p:txBody>
+          <a:bodyPr wrap="square" rtlCol="0">
+            <a:spAutoFit/>
+          </a:bodyPr>
+          <a:lstStyle/>
+          <a:p>
+            <a:r>
+              <a:rPr lang="en-US" dirty="0"/>
+              <a:t>Note: The “SSH authentication” shown in the previous class was incomplete and susceptible to the MitM attack</a:t>
             </a:r>
           </a:p>
         </p:txBody>
